--- a/documents/02_installation/01_install_1_2/01_cpp_1_2/07_build_source_windows_1_2/figs/src-conversion.pptx
+++ b/documents/02_installation/01_install_1_2/01_cpp_1_2/07_build_source_windows_1_2/figs/src-conversion.pptx
@@ -6,6 +6,7 @@
   </p:sldMasterIdLst>
   <p:sldIdLst>
     <p:sldId id="256" r:id="rId2"/>
+    <p:sldId id="257" r:id="rId3"/>
   </p:sldIdLst>
   <p:sldSz cx="12192000" cy="6858000"/>
   <p:notesSz cx="6858000" cy="9144000"/>
@@ -104,6 +105,11 @@
       </a:defRPr>
     </a:lvl9pPr>
   </p:defaultTextStyle>
+  <p:extLst>
+    <p:ext uri="{EFAFB233-063F-42B5-8137-9DF3F51BA10A}">
+      <p15:sldGuideLst xmlns:p15="http://schemas.microsoft.com/office/powerpoint/2012/main"/>
+    </p:ext>
+  </p:extLst>
 </p:presentation>
 </file>
 
@@ -254,7 +260,7 @@
           <a:p>
             <a:fld id="{6F00AC4D-BC3D-4727-9EA2-EE5AED37AB9E}" type="datetimeFigureOut">
               <a:rPr kumimoji="1" lang="ja-JP" altLang="en-US" smtClean="0"/>
-              <a:t>2019/10/17</a:t>
+              <a:t>2020/3/19</a:t>
             </a:fld>
             <a:endParaRPr kumimoji="1" lang="ja-JP" altLang="en-US"/>
           </a:p>
@@ -484,7 +490,7 @@
           <a:p>
             <a:fld id="{6F00AC4D-BC3D-4727-9EA2-EE5AED37AB9E}" type="datetimeFigureOut">
               <a:rPr kumimoji="1" lang="ja-JP" altLang="en-US" smtClean="0"/>
-              <a:t>2019/10/17</a:t>
+              <a:t>2020/3/19</a:t>
             </a:fld>
             <a:endParaRPr kumimoji="1" lang="ja-JP" altLang="en-US"/>
           </a:p>
@@ -724,7 +730,7 @@
           <a:p>
             <a:fld id="{6F00AC4D-BC3D-4727-9EA2-EE5AED37AB9E}" type="datetimeFigureOut">
               <a:rPr kumimoji="1" lang="ja-JP" altLang="en-US" smtClean="0"/>
-              <a:t>2019/10/17</a:t>
+              <a:t>2020/3/19</a:t>
             </a:fld>
             <a:endParaRPr kumimoji="1" lang="ja-JP" altLang="en-US"/>
           </a:p>
@@ -954,7 +960,7 @@
           <a:p>
             <a:fld id="{6F00AC4D-BC3D-4727-9EA2-EE5AED37AB9E}" type="datetimeFigureOut">
               <a:rPr kumimoji="1" lang="ja-JP" altLang="en-US" smtClean="0"/>
-              <a:t>2019/10/17</a:t>
+              <a:t>2020/3/19</a:t>
             </a:fld>
             <a:endParaRPr kumimoji="1" lang="ja-JP" altLang="en-US"/>
           </a:p>
@@ -1229,7 +1235,7 @@
           <a:p>
             <a:fld id="{6F00AC4D-BC3D-4727-9EA2-EE5AED37AB9E}" type="datetimeFigureOut">
               <a:rPr kumimoji="1" lang="ja-JP" altLang="en-US" smtClean="0"/>
-              <a:t>2019/10/17</a:t>
+              <a:t>2020/3/19</a:t>
             </a:fld>
             <a:endParaRPr kumimoji="1" lang="ja-JP" altLang="en-US"/>
           </a:p>
@@ -1558,7 +1564,7 @@
           <a:p>
             <a:fld id="{6F00AC4D-BC3D-4727-9EA2-EE5AED37AB9E}" type="datetimeFigureOut">
               <a:rPr kumimoji="1" lang="ja-JP" altLang="en-US" smtClean="0"/>
-              <a:t>2019/10/17</a:t>
+              <a:t>2020/3/19</a:t>
             </a:fld>
             <a:endParaRPr kumimoji="1" lang="ja-JP" altLang="en-US"/>
           </a:p>
@@ -2034,7 +2040,7 @@
           <a:p>
             <a:fld id="{6F00AC4D-BC3D-4727-9EA2-EE5AED37AB9E}" type="datetimeFigureOut">
               <a:rPr kumimoji="1" lang="ja-JP" altLang="en-US" smtClean="0"/>
-              <a:t>2019/10/17</a:t>
+              <a:t>2020/3/19</a:t>
             </a:fld>
             <a:endParaRPr kumimoji="1" lang="ja-JP" altLang="en-US"/>
           </a:p>
@@ -2175,7 +2181,7 @@
           <a:p>
             <a:fld id="{6F00AC4D-BC3D-4727-9EA2-EE5AED37AB9E}" type="datetimeFigureOut">
               <a:rPr kumimoji="1" lang="ja-JP" altLang="en-US" smtClean="0"/>
-              <a:t>2019/10/17</a:t>
+              <a:t>2020/3/19</a:t>
             </a:fld>
             <a:endParaRPr kumimoji="1" lang="ja-JP" altLang="en-US"/>
           </a:p>
@@ -2288,7 +2294,7 @@
           <a:p>
             <a:fld id="{6F00AC4D-BC3D-4727-9EA2-EE5AED37AB9E}" type="datetimeFigureOut">
               <a:rPr kumimoji="1" lang="ja-JP" altLang="en-US" smtClean="0"/>
-              <a:t>2019/10/17</a:t>
+              <a:t>2020/3/19</a:t>
             </a:fld>
             <a:endParaRPr kumimoji="1" lang="ja-JP" altLang="en-US"/>
           </a:p>
@@ -2631,7 +2637,7 @@
           <a:p>
             <a:fld id="{6F00AC4D-BC3D-4727-9EA2-EE5AED37AB9E}" type="datetimeFigureOut">
               <a:rPr kumimoji="1" lang="ja-JP" altLang="en-US" smtClean="0"/>
-              <a:t>2019/10/17</a:t>
+              <a:t>2020/3/19</a:t>
             </a:fld>
             <a:endParaRPr kumimoji="1" lang="ja-JP" altLang="en-US"/>
           </a:p>
@@ -2919,7 +2925,7 @@
           <a:p>
             <a:fld id="{6F00AC4D-BC3D-4727-9EA2-EE5AED37AB9E}" type="datetimeFigureOut">
               <a:rPr kumimoji="1" lang="ja-JP" altLang="en-US" smtClean="0"/>
-              <a:t>2019/10/17</a:t>
+              <a:t>2020/3/19</a:t>
             </a:fld>
             <a:endParaRPr kumimoji="1" lang="ja-JP" altLang="en-US"/>
           </a:p>
@@ -3192,7 +3198,7 @@
           <a:p>
             <a:fld id="{6F00AC4D-BC3D-4727-9EA2-EE5AED37AB9E}" type="datetimeFigureOut">
               <a:rPr kumimoji="1" lang="ja-JP" altLang="en-US" smtClean="0"/>
-              <a:t>2019/10/17</a:t>
+              <a:t>2020/3/19</a:t>
             </a:fld>
             <a:endParaRPr kumimoji="1" lang="ja-JP" altLang="en-US"/>
           </a:p>
@@ -4707,6 +4713,1108 @@
 </p:sld>
 </file>
 
+<file path=ppt/slides/slide2.xml><?xml version="1.0" encoding="utf-8"?>
+<p:sld xmlns:a="http://schemas.openxmlformats.org/drawingml/2006/main" xmlns:r="http://schemas.openxmlformats.org/officeDocument/2006/relationships" xmlns:p="http://schemas.openxmlformats.org/presentationml/2006/main">
+  <p:cSld>
+    <p:spTree>
+      <p:nvGrpSpPr>
+        <p:cNvPr id="1" name=""/>
+        <p:cNvGrpSpPr/>
+        <p:nvPr/>
+      </p:nvGrpSpPr>
+      <p:grpSpPr>
+        <a:xfrm>
+          <a:off x="0" y="0"/>
+          <a:ext cx="0" cy="0"/>
+          <a:chOff x="0" y="0"/>
+          <a:chExt cx="0" cy="0"/>
+        </a:xfrm>
+      </p:grpSpPr>
+      <p:sp>
+        <p:nvSpPr>
+          <p:cNvPr id="4" name="正方形/長方形 3">
+            <a:extLst>
+              <a:ext uri="{FF2B5EF4-FFF2-40B4-BE49-F238E27FC236}">
+                <a16:creationId xmlns:a16="http://schemas.microsoft.com/office/drawing/2014/main" id="{C988D0DE-8DE9-41C2-ADD0-8A494893D281}"/>
+              </a:ext>
+            </a:extLst>
+          </p:cNvPr>
+          <p:cNvSpPr/>
+          <p:nvPr/>
+        </p:nvSpPr>
+        <p:spPr>
+          <a:xfrm>
+            <a:off x="3867869" y="1182448"/>
+            <a:ext cx="2760453" cy="1035170"/>
+          </a:xfrm>
+          <a:prstGeom prst="rect">
+            <a:avLst/>
+          </a:prstGeom>
+          <a:solidFill>
+            <a:srgbClr val="D6D0C0"/>
+          </a:solidFill>
+          <a:ln w="28575">
+            <a:solidFill>
+              <a:schemeClr val="tx1"/>
+            </a:solidFill>
+          </a:ln>
+        </p:spPr>
+        <p:style>
+          <a:lnRef idx="2">
+            <a:schemeClr val="accent1">
+              <a:shade val="50000"/>
+            </a:schemeClr>
+          </a:lnRef>
+          <a:fillRef idx="1">
+            <a:schemeClr val="accent1"/>
+          </a:fillRef>
+          <a:effectRef idx="0">
+            <a:schemeClr val="accent1"/>
+          </a:effectRef>
+          <a:fontRef idx="minor">
+            <a:schemeClr val="lt1"/>
+          </a:fontRef>
+        </p:style>
+        <p:txBody>
+          <a:bodyPr rtlCol="0" anchor="ctr"/>
+          <a:lstStyle/>
+          <a:p>
+            <a:pPr algn="ctr"/>
+            <a:r>
+              <a:rPr kumimoji="1" lang="en-US" altLang="ja-JP" b="1" dirty="0">
+                <a:solidFill>
+                  <a:schemeClr val="accent1">
+                    <a:lumMod val="50000"/>
+                  </a:schemeClr>
+                </a:solidFill>
+              </a:rPr>
+              <a:t>Original</a:t>
+            </a:r>
+            <a:r>
+              <a:rPr kumimoji="1" lang="ja-JP" altLang="en-US" b="1" dirty="0">
+                <a:solidFill>
+                  <a:schemeClr val="accent1">
+                    <a:lumMod val="50000"/>
+                  </a:schemeClr>
+                </a:solidFill>
+              </a:rPr>
+              <a:t> </a:t>
+            </a:r>
+            <a:r>
+              <a:rPr kumimoji="1" lang="en-US" altLang="ja-JP" b="1" dirty="0">
+                <a:solidFill>
+                  <a:schemeClr val="accent1">
+                    <a:lumMod val="50000"/>
+                  </a:schemeClr>
+                </a:solidFill>
+              </a:rPr>
+              <a:t>source</a:t>
+            </a:r>
+          </a:p>
+          <a:p>
+            <a:pPr algn="ctr"/>
+            <a:r>
+              <a:rPr lang="en-US" altLang="ja-JP" b="1" dirty="0">
+                <a:solidFill>
+                  <a:schemeClr val="accent1">
+                    <a:lumMod val="50000"/>
+                  </a:schemeClr>
+                </a:solidFill>
+              </a:rPr>
+              <a:t>(GitHub</a:t>
+            </a:r>
+            <a:r>
+              <a:rPr lang="ja-JP" altLang="en-US" b="1" dirty="0">
+                <a:solidFill>
+                  <a:schemeClr val="accent1">
+                    <a:lumMod val="50000"/>
+                  </a:schemeClr>
+                </a:solidFill>
+              </a:rPr>
+              <a:t> </a:t>
+            </a:r>
+            <a:r>
+              <a:rPr lang="en-US" altLang="ja-JP" b="1" dirty="0">
+                <a:solidFill>
+                  <a:schemeClr val="accent1">
+                    <a:lumMod val="50000"/>
+                  </a:schemeClr>
+                </a:solidFill>
+              </a:rPr>
+              <a:t>repository)</a:t>
+            </a:r>
+            <a:endParaRPr kumimoji="1" lang="ja-JP" altLang="en-US" b="1" dirty="0">
+              <a:solidFill>
+                <a:schemeClr val="accent1">
+                  <a:lumMod val="50000"/>
+                </a:schemeClr>
+              </a:solidFill>
+            </a:endParaRPr>
+          </a:p>
+        </p:txBody>
+      </p:sp>
+      <p:sp>
+        <p:nvSpPr>
+          <p:cNvPr id="5" name="正方形/長方形 4">
+            <a:extLst>
+              <a:ext uri="{FF2B5EF4-FFF2-40B4-BE49-F238E27FC236}">
+                <a16:creationId xmlns:a16="http://schemas.microsoft.com/office/drawing/2014/main" id="{AE56B229-D351-4C40-8FA7-67F441834FC5}"/>
+              </a:ext>
+            </a:extLst>
+          </p:cNvPr>
+          <p:cNvSpPr/>
+          <p:nvPr/>
+        </p:nvSpPr>
+        <p:spPr>
+          <a:xfrm>
+            <a:off x="1886669" y="3089155"/>
+            <a:ext cx="2760453" cy="1035170"/>
+          </a:xfrm>
+          <a:prstGeom prst="rect">
+            <a:avLst/>
+          </a:prstGeom>
+          <a:solidFill>
+            <a:srgbClr val="D6D0C0"/>
+          </a:solidFill>
+          <a:ln w="28575">
+            <a:solidFill>
+              <a:schemeClr val="tx1"/>
+            </a:solidFill>
+          </a:ln>
+        </p:spPr>
+        <p:style>
+          <a:lnRef idx="2">
+            <a:schemeClr val="accent1">
+              <a:shade val="50000"/>
+            </a:schemeClr>
+          </a:lnRef>
+          <a:fillRef idx="1">
+            <a:schemeClr val="accent1"/>
+          </a:fillRef>
+          <a:effectRef idx="0">
+            <a:schemeClr val="accent1"/>
+          </a:effectRef>
+          <a:fontRef idx="minor">
+            <a:schemeClr val="lt1"/>
+          </a:fontRef>
+        </p:style>
+        <p:txBody>
+          <a:bodyPr rtlCol="0" anchor="ctr"/>
+          <a:lstStyle/>
+          <a:p>
+            <a:pPr algn="ctr"/>
+            <a:r>
+              <a:rPr kumimoji="1" lang="en-US" altLang="ja-JP" b="1" dirty="0">
+                <a:solidFill>
+                  <a:schemeClr val="accent1">
+                    <a:lumMod val="50000"/>
+                  </a:schemeClr>
+                </a:solidFill>
+              </a:rPr>
+              <a:t>Source code</a:t>
+            </a:r>
+          </a:p>
+          <a:p>
+            <a:pPr algn="ctr"/>
+            <a:r>
+              <a:rPr kumimoji="1" lang="en-US" altLang="ja-JP" b="1" dirty="0">
+                <a:solidFill>
+                  <a:schemeClr val="accent1">
+                    <a:lumMod val="50000"/>
+                  </a:schemeClr>
+                </a:solidFill>
+              </a:rPr>
+              <a:t>for Linux/Mac</a:t>
+            </a:r>
+          </a:p>
+          <a:p>
+            <a:pPr algn="ctr"/>
+            <a:r>
+              <a:rPr lang="en-US" altLang="ja-JP" b="1" dirty="0">
+                <a:solidFill>
+                  <a:schemeClr val="accent1">
+                    <a:lumMod val="50000"/>
+                  </a:schemeClr>
+                </a:solidFill>
+              </a:rPr>
+              <a:t>(</a:t>
+            </a:r>
+            <a:r>
+              <a:rPr lang="en-US" altLang="ja-JP" b="1" dirty="0" err="1">
+                <a:solidFill>
+                  <a:schemeClr val="accent1">
+                    <a:lumMod val="50000"/>
+                  </a:schemeClr>
+                </a:solidFill>
+              </a:rPr>
+              <a:t>autotools</a:t>
+            </a:r>
+            <a:r>
+              <a:rPr lang="en-US" altLang="ja-JP" b="1" dirty="0">
+                <a:solidFill>
+                  <a:schemeClr val="accent1">
+                    <a:lumMod val="50000"/>
+                  </a:schemeClr>
+                </a:solidFill>
+              </a:rPr>
+              <a:t>)</a:t>
+            </a:r>
+            <a:endParaRPr kumimoji="1" lang="ja-JP" altLang="en-US" b="1" dirty="0">
+              <a:solidFill>
+                <a:schemeClr val="accent1">
+                  <a:lumMod val="50000"/>
+                </a:schemeClr>
+              </a:solidFill>
+            </a:endParaRPr>
+          </a:p>
+        </p:txBody>
+      </p:sp>
+      <p:sp>
+        <p:nvSpPr>
+          <p:cNvPr id="6" name="正方形/長方形 5">
+            <a:extLst>
+              <a:ext uri="{FF2B5EF4-FFF2-40B4-BE49-F238E27FC236}">
+                <a16:creationId xmlns:a16="http://schemas.microsoft.com/office/drawing/2014/main" id="{0FB475F7-0B59-420E-BE50-F78D19BF754A}"/>
+              </a:ext>
+            </a:extLst>
+          </p:cNvPr>
+          <p:cNvSpPr/>
+          <p:nvPr/>
+        </p:nvSpPr>
+        <p:spPr>
+          <a:xfrm>
+            <a:off x="1886668" y="4832230"/>
+            <a:ext cx="2760453" cy="1035170"/>
+          </a:xfrm>
+          <a:prstGeom prst="rect">
+            <a:avLst/>
+          </a:prstGeom>
+          <a:solidFill>
+            <a:srgbClr val="D6D0C0"/>
+          </a:solidFill>
+          <a:ln w="28575">
+            <a:solidFill>
+              <a:schemeClr val="tx1"/>
+            </a:solidFill>
+          </a:ln>
+        </p:spPr>
+        <p:style>
+          <a:lnRef idx="2">
+            <a:schemeClr val="accent1">
+              <a:shade val="50000"/>
+            </a:schemeClr>
+          </a:lnRef>
+          <a:fillRef idx="1">
+            <a:schemeClr val="accent1"/>
+          </a:fillRef>
+          <a:effectRef idx="0">
+            <a:schemeClr val="accent1"/>
+          </a:effectRef>
+          <a:fontRef idx="minor">
+            <a:schemeClr val="lt1"/>
+          </a:fontRef>
+        </p:style>
+        <p:txBody>
+          <a:bodyPr rtlCol="0" anchor="ctr"/>
+          <a:lstStyle/>
+          <a:p>
+            <a:pPr algn="ctr"/>
+            <a:r>
+              <a:rPr lang="en-US" altLang="ja-JP" b="1" dirty="0">
+                <a:solidFill>
+                  <a:schemeClr val="accent1">
+                    <a:lumMod val="50000"/>
+                  </a:schemeClr>
+                </a:solidFill>
+              </a:rPr>
+              <a:t>Binary code</a:t>
+            </a:r>
+          </a:p>
+          <a:p>
+            <a:pPr algn="ctr"/>
+            <a:r>
+              <a:rPr lang="en-US" altLang="ja-JP" b="1" dirty="0">
+                <a:solidFill>
+                  <a:schemeClr val="accent1">
+                    <a:lumMod val="50000"/>
+                  </a:schemeClr>
+                </a:solidFill>
+              </a:rPr>
+              <a:t>for Linux/Mac</a:t>
+            </a:r>
+            <a:endParaRPr kumimoji="1" lang="en-US" altLang="ja-JP" b="1" dirty="0">
+              <a:solidFill>
+                <a:schemeClr val="accent1">
+                  <a:lumMod val="50000"/>
+                </a:schemeClr>
+              </a:solidFill>
+            </a:endParaRPr>
+          </a:p>
+        </p:txBody>
+      </p:sp>
+      <p:sp>
+        <p:nvSpPr>
+          <p:cNvPr id="7" name="正方形/長方形 6">
+            <a:extLst>
+              <a:ext uri="{FF2B5EF4-FFF2-40B4-BE49-F238E27FC236}">
+                <a16:creationId xmlns:a16="http://schemas.microsoft.com/office/drawing/2014/main" id="{09F6272F-63F3-45D9-8C93-F7691AE05004}"/>
+              </a:ext>
+            </a:extLst>
+          </p:cNvPr>
+          <p:cNvSpPr/>
+          <p:nvPr/>
+        </p:nvSpPr>
+        <p:spPr>
+          <a:xfrm>
+            <a:off x="5849069" y="3089155"/>
+            <a:ext cx="2760453" cy="1035170"/>
+          </a:xfrm>
+          <a:prstGeom prst="rect">
+            <a:avLst/>
+          </a:prstGeom>
+          <a:solidFill>
+            <a:srgbClr val="D6D0C0"/>
+          </a:solidFill>
+          <a:ln w="28575">
+            <a:solidFill>
+              <a:schemeClr val="tx1"/>
+            </a:solidFill>
+          </a:ln>
+        </p:spPr>
+        <p:style>
+          <a:lnRef idx="2">
+            <a:schemeClr val="accent1">
+              <a:shade val="50000"/>
+            </a:schemeClr>
+          </a:lnRef>
+          <a:fillRef idx="1">
+            <a:schemeClr val="accent1"/>
+          </a:fillRef>
+          <a:effectRef idx="0">
+            <a:schemeClr val="accent1"/>
+          </a:effectRef>
+          <a:fontRef idx="minor">
+            <a:schemeClr val="lt1"/>
+          </a:fontRef>
+        </p:style>
+        <p:txBody>
+          <a:bodyPr rtlCol="0" anchor="ctr"/>
+          <a:lstStyle/>
+          <a:p>
+            <a:pPr algn="ctr"/>
+            <a:r>
+              <a:rPr kumimoji="1" lang="en-US" altLang="ja-JP" b="1" dirty="0">
+                <a:solidFill>
+                  <a:schemeClr val="accent1">
+                    <a:lumMod val="50000"/>
+                  </a:schemeClr>
+                </a:solidFill>
+              </a:rPr>
+              <a:t>Source code</a:t>
+            </a:r>
+          </a:p>
+          <a:p>
+            <a:pPr algn="ctr"/>
+            <a:r>
+              <a:rPr kumimoji="1" lang="en-US" altLang="ja-JP" b="1" dirty="0">
+                <a:solidFill>
+                  <a:schemeClr val="accent1">
+                    <a:lumMod val="50000"/>
+                  </a:schemeClr>
+                </a:solidFill>
+              </a:rPr>
+              <a:t>for Windows</a:t>
+            </a:r>
+          </a:p>
+          <a:p>
+            <a:pPr algn="ctr"/>
+            <a:r>
+              <a:rPr lang="en-US" altLang="ja-JP" b="1" dirty="0">
+                <a:solidFill>
+                  <a:schemeClr val="accent1">
+                    <a:lumMod val="50000"/>
+                  </a:schemeClr>
+                </a:solidFill>
+              </a:rPr>
+              <a:t>(VC</a:t>
+            </a:r>
+            <a:r>
+              <a:rPr lang="ja-JP" altLang="en-US" b="1" dirty="0">
+                <a:solidFill>
+                  <a:schemeClr val="accent1">
+                    <a:lumMod val="50000"/>
+                  </a:schemeClr>
+                </a:solidFill>
+              </a:rPr>
+              <a:t> </a:t>
+            </a:r>
+            <a:r>
+              <a:rPr lang="en-US" altLang="ja-JP" b="1" dirty="0">
+                <a:solidFill>
+                  <a:schemeClr val="accent1">
+                    <a:lumMod val="50000"/>
+                  </a:schemeClr>
+                </a:solidFill>
+              </a:rPr>
+              <a:t>solution/project)</a:t>
+            </a:r>
+            <a:endParaRPr kumimoji="1" lang="ja-JP" altLang="en-US" b="1" dirty="0">
+              <a:solidFill>
+                <a:schemeClr val="accent1">
+                  <a:lumMod val="50000"/>
+                </a:schemeClr>
+              </a:solidFill>
+            </a:endParaRPr>
+          </a:p>
+        </p:txBody>
+      </p:sp>
+      <p:sp>
+        <p:nvSpPr>
+          <p:cNvPr id="8" name="正方形/長方形 7">
+            <a:extLst>
+              <a:ext uri="{FF2B5EF4-FFF2-40B4-BE49-F238E27FC236}">
+                <a16:creationId xmlns:a16="http://schemas.microsoft.com/office/drawing/2014/main" id="{0A4A1A23-2C07-48FA-BA0A-E0764EB27671}"/>
+              </a:ext>
+            </a:extLst>
+          </p:cNvPr>
+          <p:cNvSpPr/>
+          <p:nvPr/>
+        </p:nvSpPr>
+        <p:spPr>
+          <a:xfrm>
+            <a:off x="5849068" y="4832230"/>
+            <a:ext cx="2760453" cy="1035170"/>
+          </a:xfrm>
+          <a:prstGeom prst="rect">
+            <a:avLst/>
+          </a:prstGeom>
+          <a:solidFill>
+            <a:srgbClr val="D6D0C0"/>
+          </a:solidFill>
+          <a:ln w="28575">
+            <a:solidFill>
+              <a:schemeClr val="tx1"/>
+            </a:solidFill>
+          </a:ln>
+        </p:spPr>
+        <p:style>
+          <a:lnRef idx="2">
+            <a:schemeClr val="accent1">
+              <a:shade val="50000"/>
+            </a:schemeClr>
+          </a:lnRef>
+          <a:fillRef idx="1">
+            <a:schemeClr val="accent1"/>
+          </a:fillRef>
+          <a:effectRef idx="0">
+            <a:schemeClr val="accent1"/>
+          </a:effectRef>
+          <a:fontRef idx="minor">
+            <a:schemeClr val="lt1"/>
+          </a:fontRef>
+        </p:style>
+        <p:txBody>
+          <a:bodyPr rtlCol="0" anchor="ctr"/>
+          <a:lstStyle/>
+          <a:p>
+            <a:pPr algn="ctr"/>
+            <a:r>
+              <a:rPr kumimoji="1" lang="en-US" altLang="ja-JP" b="1" dirty="0">
+                <a:solidFill>
+                  <a:schemeClr val="accent1">
+                    <a:lumMod val="50000"/>
+                  </a:schemeClr>
+                </a:solidFill>
+              </a:rPr>
+              <a:t>Binary code and </a:t>
+            </a:r>
+          </a:p>
+          <a:p>
+            <a:pPr algn="ctr"/>
+            <a:r>
+              <a:rPr kumimoji="1" lang="en-US" altLang="ja-JP" b="1" dirty="0" err="1">
+                <a:solidFill>
+                  <a:schemeClr val="accent1">
+                    <a:lumMod val="50000"/>
+                  </a:schemeClr>
+                </a:solidFill>
+              </a:rPr>
+              <a:t>msi</a:t>
+            </a:r>
+            <a:r>
+              <a:rPr kumimoji="1" lang="en-US" altLang="ja-JP" b="1" dirty="0">
+                <a:solidFill>
+                  <a:schemeClr val="accent1">
+                    <a:lumMod val="50000"/>
+                  </a:schemeClr>
+                </a:solidFill>
+              </a:rPr>
+              <a:t> Installer </a:t>
+            </a:r>
+          </a:p>
+          <a:p>
+            <a:pPr algn="ctr"/>
+            <a:r>
+              <a:rPr kumimoji="1" lang="en-US" altLang="ja-JP" b="1" dirty="0">
+                <a:solidFill>
+                  <a:schemeClr val="accent1">
+                    <a:lumMod val="50000"/>
+                  </a:schemeClr>
+                </a:solidFill>
+              </a:rPr>
+              <a:t>for Windows</a:t>
+            </a:r>
+          </a:p>
+        </p:txBody>
+      </p:sp>
+      <p:cxnSp>
+        <p:nvCxnSpPr>
+          <p:cNvPr id="9" name="直線矢印コネクタ 8">
+            <a:extLst>
+              <a:ext uri="{FF2B5EF4-FFF2-40B4-BE49-F238E27FC236}">
+                <a16:creationId xmlns:a16="http://schemas.microsoft.com/office/drawing/2014/main" id="{EBF73A6E-F4FC-42AF-A645-BBBA22AA4E9E}"/>
+              </a:ext>
+            </a:extLst>
+          </p:cNvPr>
+          <p:cNvCxnSpPr>
+            <a:cxnSpLocks/>
+            <a:endCxn id="5" idx="0"/>
+          </p:cNvCxnSpPr>
+          <p:nvPr/>
+        </p:nvCxnSpPr>
+        <p:spPr>
+          <a:xfrm>
+            <a:off x="3266892" y="2738438"/>
+            <a:ext cx="4" cy="350717"/>
+          </a:xfrm>
+          <a:prstGeom prst="straightConnector1">
+            <a:avLst/>
+          </a:prstGeom>
+          <a:ln w="28575">
+            <a:tailEnd type="triangle"/>
+          </a:ln>
+        </p:spPr>
+        <p:style>
+          <a:lnRef idx="1">
+            <a:schemeClr val="accent1"/>
+          </a:lnRef>
+          <a:fillRef idx="0">
+            <a:schemeClr val="accent1"/>
+          </a:fillRef>
+          <a:effectRef idx="0">
+            <a:schemeClr val="accent1"/>
+          </a:effectRef>
+          <a:fontRef idx="minor">
+            <a:schemeClr val="tx1"/>
+          </a:fontRef>
+        </p:style>
+      </p:cxnSp>
+      <p:cxnSp>
+        <p:nvCxnSpPr>
+          <p:cNvPr id="10" name="直線矢印コネクタ 9">
+            <a:extLst>
+              <a:ext uri="{FF2B5EF4-FFF2-40B4-BE49-F238E27FC236}">
+                <a16:creationId xmlns:a16="http://schemas.microsoft.com/office/drawing/2014/main" id="{26FBD30E-DDB0-4F84-B673-8E51CB859C89}"/>
+              </a:ext>
+            </a:extLst>
+          </p:cNvPr>
+          <p:cNvCxnSpPr>
+            <a:cxnSpLocks/>
+            <a:endCxn id="7" idx="0"/>
+          </p:cNvCxnSpPr>
+          <p:nvPr/>
+        </p:nvCxnSpPr>
+        <p:spPr>
+          <a:xfrm>
+            <a:off x="7229294" y="2738438"/>
+            <a:ext cx="2" cy="350717"/>
+          </a:xfrm>
+          <a:prstGeom prst="straightConnector1">
+            <a:avLst/>
+          </a:prstGeom>
+          <a:ln w="28575">
+            <a:tailEnd type="triangle"/>
+          </a:ln>
+        </p:spPr>
+        <p:style>
+          <a:lnRef idx="1">
+            <a:schemeClr val="accent1"/>
+          </a:lnRef>
+          <a:fillRef idx="0">
+            <a:schemeClr val="accent1"/>
+          </a:fillRef>
+          <a:effectRef idx="0">
+            <a:schemeClr val="accent1"/>
+          </a:effectRef>
+          <a:fontRef idx="minor">
+            <a:schemeClr val="tx1"/>
+          </a:fontRef>
+        </p:style>
+      </p:cxnSp>
+      <p:cxnSp>
+        <p:nvCxnSpPr>
+          <p:cNvPr id="11" name="直線矢印コネクタ 10">
+            <a:extLst>
+              <a:ext uri="{FF2B5EF4-FFF2-40B4-BE49-F238E27FC236}">
+                <a16:creationId xmlns:a16="http://schemas.microsoft.com/office/drawing/2014/main" id="{C2370C20-CFAE-467C-A9D4-10F13880BB98}"/>
+              </a:ext>
+            </a:extLst>
+          </p:cNvPr>
+          <p:cNvCxnSpPr>
+            <a:stCxn id="7" idx="2"/>
+            <a:endCxn id="8" idx="0"/>
+          </p:cNvCxnSpPr>
+          <p:nvPr/>
+        </p:nvCxnSpPr>
+        <p:spPr>
+          <a:xfrm flipH="1">
+            <a:off x="7229295" y="4124325"/>
+            <a:ext cx="1" cy="707905"/>
+          </a:xfrm>
+          <a:prstGeom prst="straightConnector1">
+            <a:avLst/>
+          </a:prstGeom>
+          <a:ln w="28575">
+            <a:tailEnd type="triangle"/>
+          </a:ln>
+        </p:spPr>
+        <p:style>
+          <a:lnRef idx="1">
+            <a:schemeClr val="accent1"/>
+          </a:lnRef>
+          <a:fillRef idx="0">
+            <a:schemeClr val="accent1"/>
+          </a:fillRef>
+          <a:effectRef idx="0">
+            <a:schemeClr val="accent1"/>
+          </a:effectRef>
+          <a:fontRef idx="minor">
+            <a:schemeClr val="tx1"/>
+          </a:fontRef>
+        </p:style>
+      </p:cxnSp>
+      <p:cxnSp>
+        <p:nvCxnSpPr>
+          <p:cNvPr id="12" name="直線矢印コネクタ 11">
+            <a:extLst>
+              <a:ext uri="{FF2B5EF4-FFF2-40B4-BE49-F238E27FC236}">
+                <a16:creationId xmlns:a16="http://schemas.microsoft.com/office/drawing/2014/main" id="{62D8B4CE-383B-42C9-A3D2-3099C5745FDB}"/>
+              </a:ext>
+            </a:extLst>
+          </p:cNvPr>
+          <p:cNvCxnSpPr>
+            <a:stCxn id="5" idx="2"/>
+            <a:endCxn id="6" idx="0"/>
+          </p:cNvCxnSpPr>
+          <p:nvPr/>
+        </p:nvCxnSpPr>
+        <p:spPr>
+          <a:xfrm flipH="1">
+            <a:off x="3266895" y="4124325"/>
+            <a:ext cx="1" cy="707905"/>
+          </a:xfrm>
+          <a:prstGeom prst="straightConnector1">
+            <a:avLst/>
+          </a:prstGeom>
+          <a:ln w="28575">
+            <a:tailEnd type="triangle"/>
+          </a:ln>
+        </p:spPr>
+        <p:style>
+          <a:lnRef idx="1">
+            <a:schemeClr val="accent1"/>
+          </a:lnRef>
+          <a:fillRef idx="0">
+            <a:schemeClr val="accent1"/>
+          </a:fillRef>
+          <a:effectRef idx="0">
+            <a:schemeClr val="accent1"/>
+          </a:effectRef>
+          <a:fontRef idx="minor">
+            <a:schemeClr val="tx1"/>
+          </a:fontRef>
+        </p:style>
+      </p:cxnSp>
+      <p:sp>
+        <p:nvSpPr>
+          <p:cNvPr id="13" name="テキスト ボックス 12">
+            <a:extLst>
+              <a:ext uri="{FF2B5EF4-FFF2-40B4-BE49-F238E27FC236}">
+                <a16:creationId xmlns:a16="http://schemas.microsoft.com/office/drawing/2014/main" id="{ED01673E-CF05-48C9-BFB3-814E4941EE6A}"/>
+              </a:ext>
+            </a:extLst>
+          </p:cNvPr>
+          <p:cNvSpPr txBox="1"/>
+          <p:nvPr/>
+        </p:nvSpPr>
+        <p:spPr>
+          <a:xfrm>
+            <a:off x="6355520" y="2284054"/>
+            <a:ext cx="2967479" cy="369332"/>
+          </a:xfrm>
+          <a:prstGeom prst="rect">
+            <a:avLst/>
+          </a:prstGeom>
+          <a:noFill/>
+        </p:spPr>
+        <p:txBody>
+          <a:bodyPr wrap="none" rtlCol="0">
+            <a:spAutoFit/>
+          </a:bodyPr>
+          <a:lstStyle/>
+          <a:p>
+            <a:r>
+              <a:rPr kumimoji="1" lang="en-US" altLang="ja-JP" dirty="0" err="1">
+                <a:latin typeface="Arial" panose="020B0604020202020204" pitchFamily="34" charset="0"/>
+                <a:cs typeface="Arial" panose="020B0604020202020204" pitchFamily="34" charset="0"/>
+              </a:rPr>
+              <a:t>Autogen</a:t>
+            </a:r>
+            <a:r>
+              <a:rPr kumimoji="1" lang="en-US" altLang="ja-JP" dirty="0">
+                <a:latin typeface="Arial" panose="020B0604020202020204" pitchFamily="34" charset="0"/>
+                <a:cs typeface="Arial" panose="020B0604020202020204" pitchFamily="34" charset="0"/>
+              </a:rPr>
+              <a:t>/</a:t>
+            </a:r>
+            <a:r>
+              <a:rPr kumimoji="1" lang="en-US" altLang="ja-JP" dirty="0" err="1">
+                <a:latin typeface="Arial" panose="020B0604020202020204" pitchFamily="34" charset="0"/>
+                <a:cs typeface="Arial" panose="020B0604020202020204" pitchFamily="34" charset="0"/>
+              </a:rPr>
+              <a:t>makedist</a:t>
+            </a:r>
+            <a:r>
+              <a:rPr kumimoji="1" lang="en-US" altLang="ja-JP" dirty="0">
+                <a:latin typeface="Arial" panose="020B0604020202020204" pitchFamily="34" charset="0"/>
+                <a:cs typeface="Arial" panose="020B0604020202020204" pitchFamily="34" charset="0"/>
+              </a:rPr>
+              <a:t> on Linux</a:t>
+            </a:r>
+            <a:endParaRPr kumimoji="1" lang="ja-JP" altLang="en-US" dirty="0">
+              <a:latin typeface="Arial" panose="020B0604020202020204" pitchFamily="34" charset="0"/>
+              <a:cs typeface="Arial" panose="020B0604020202020204" pitchFamily="34" charset="0"/>
+            </a:endParaRPr>
+          </a:p>
+        </p:txBody>
+      </p:sp>
+      <p:cxnSp>
+        <p:nvCxnSpPr>
+          <p:cNvPr id="14" name="直線コネクタ 13">
+            <a:extLst>
+              <a:ext uri="{FF2B5EF4-FFF2-40B4-BE49-F238E27FC236}">
+                <a16:creationId xmlns:a16="http://schemas.microsoft.com/office/drawing/2014/main" id="{9EB75412-D383-4B05-8EC1-A5C0ECC9AD81}"/>
+              </a:ext>
+            </a:extLst>
+          </p:cNvPr>
+          <p:cNvCxnSpPr/>
+          <p:nvPr/>
+        </p:nvCxnSpPr>
+        <p:spPr>
+          <a:xfrm>
+            <a:off x="3266894" y="2738438"/>
+            <a:ext cx="3962400" cy="0"/>
+          </a:xfrm>
+          <a:prstGeom prst="line">
+            <a:avLst/>
+          </a:prstGeom>
+          <a:ln w="28575"/>
+        </p:spPr>
+        <p:style>
+          <a:lnRef idx="1">
+            <a:schemeClr val="accent1"/>
+          </a:lnRef>
+          <a:fillRef idx="0">
+            <a:schemeClr val="accent1"/>
+          </a:fillRef>
+          <a:effectRef idx="0">
+            <a:schemeClr val="accent1"/>
+          </a:effectRef>
+          <a:fontRef idx="minor">
+            <a:schemeClr val="tx1"/>
+          </a:fontRef>
+        </p:style>
+      </p:cxnSp>
+      <p:cxnSp>
+        <p:nvCxnSpPr>
+          <p:cNvPr id="15" name="直線コネクタ 14">
+            <a:extLst>
+              <a:ext uri="{FF2B5EF4-FFF2-40B4-BE49-F238E27FC236}">
+                <a16:creationId xmlns:a16="http://schemas.microsoft.com/office/drawing/2014/main" id="{ED89726C-6D67-4F54-971F-1A5556BB0E74}"/>
+              </a:ext>
+            </a:extLst>
+          </p:cNvPr>
+          <p:cNvCxnSpPr>
+            <a:stCxn id="4" idx="2"/>
+          </p:cNvCxnSpPr>
+          <p:nvPr/>
+        </p:nvCxnSpPr>
+        <p:spPr>
+          <a:xfrm flipH="1">
+            <a:off x="5248094" y="2217618"/>
+            <a:ext cx="2" cy="520820"/>
+          </a:xfrm>
+          <a:prstGeom prst="line">
+            <a:avLst/>
+          </a:prstGeom>
+          <a:ln w="28575"/>
+        </p:spPr>
+        <p:style>
+          <a:lnRef idx="1">
+            <a:schemeClr val="accent1"/>
+          </a:lnRef>
+          <a:fillRef idx="0">
+            <a:schemeClr val="accent1"/>
+          </a:fillRef>
+          <a:effectRef idx="0">
+            <a:schemeClr val="accent1"/>
+          </a:effectRef>
+          <a:fontRef idx="minor">
+            <a:schemeClr val="tx1"/>
+          </a:fontRef>
+        </p:style>
+      </p:cxnSp>
+      <p:sp>
+        <p:nvSpPr>
+          <p:cNvPr id="16" name="テキスト ボックス 15">
+            <a:extLst>
+              <a:ext uri="{FF2B5EF4-FFF2-40B4-BE49-F238E27FC236}">
+                <a16:creationId xmlns:a16="http://schemas.microsoft.com/office/drawing/2014/main" id="{371BBFB7-0662-42B8-BF37-A43FE801130A}"/>
+              </a:ext>
+            </a:extLst>
+          </p:cNvPr>
+          <p:cNvSpPr txBox="1"/>
+          <p:nvPr/>
+        </p:nvSpPr>
+        <p:spPr>
+          <a:xfrm>
+            <a:off x="7472363" y="2747362"/>
+            <a:ext cx="2661306" cy="369332"/>
+          </a:xfrm>
+          <a:prstGeom prst="rect">
+            <a:avLst/>
+          </a:prstGeom>
+          <a:noFill/>
+        </p:spPr>
+        <p:txBody>
+          <a:bodyPr wrap="none" rtlCol="0">
+            <a:spAutoFit/>
+          </a:bodyPr>
+          <a:lstStyle/>
+          <a:p>
+            <a:r>
+              <a:rPr kumimoji="1" lang="en-US" altLang="ja-JP" dirty="0">
+                <a:latin typeface="Arial" panose="020B0604020202020204" pitchFamily="34" charset="0"/>
+                <a:cs typeface="Arial" panose="020B0604020202020204" pitchFamily="34" charset="0"/>
+              </a:rPr>
+              <a:t>OpenRTM-aist-xxxx.zip</a:t>
+            </a:r>
+            <a:endParaRPr kumimoji="1" lang="ja-JP" altLang="en-US" dirty="0">
+              <a:latin typeface="Arial" panose="020B0604020202020204" pitchFamily="34" charset="0"/>
+              <a:cs typeface="Arial" panose="020B0604020202020204" pitchFamily="34" charset="0"/>
+            </a:endParaRPr>
+          </a:p>
+        </p:txBody>
+      </p:sp>
+      <p:sp>
+        <p:nvSpPr>
+          <p:cNvPr id="17" name="テキスト ボックス 16">
+            <a:extLst>
+              <a:ext uri="{FF2B5EF4-FFF2-40B4-BE49-F238E27FC236}">
+                <a16:creationId xmlns:a16="http://schemas.microsoft.com/office/drawing/2014/main" id="{1150F1F8-8FD9-4117-92ED-5ECFF06E91BB}"/>
+              </a:ext>
+            </a:extLst>
+          </p:cNvPr>
+          <p:cNvSpPr txBox="1"/>
+          <p:nvPr/>
+        </p:nvSpPr>
+        <p:spPr>
+          <a:xfrm>
+            <a:off x="7534141" y="4236928"/>
+            <a:ext cx="2864887" cy="646331"/>
+          </a:xfrm>
+          <a:prstGeom prst="rect">
+            <a:avLst/>
+          </a:prstGeom>
+          <a:noFill/>
+        </p:spPr>
+        <p:txBody>
+          <a:bodyPr wrap="none" rtlCol="0">
+            <a:spAutoFit/>
+          </a:bodyPr>
+          <a:lstStyle/>
+          <a:p>
+            <a:r>
+              <a:rPr kumimoji="1" lang="en-US" altLang="ja-JP" dirty="0">
+                <a:latin typeface="Arial" panose="020B0604020202020204" pitchFamily="34" charset="0"/>
+                <a:cs typeface="Arial" panose="020B0604020202020204" pitchFamily="34" charset="0"/>
+              </a:rPr>
+              <a:t>Autobuild_</a:t>
+            </a:r>
+            <a:r>
+              <a:rPr kumimoji="1" lang="en-US" altLang="ja-JP" dirty="0" err="1">
+                <a:latin typeface="Arial" panose="020B0604020202020204" pitchFamily="34" charset="0"/>
+                <a:cs typeface="Arial" panose="020B0604020202020204" pitchFamily="34" charset="0"/>
+              </a:rPr>
+              <a:t>vc</a:t>
+            </a:r>
+            <a:r>
+              <a:rPr kumimoji="1" lang="en-US" altLang="ja-JP" dirty="0">
+                <a:latin typeface="Arial" panose="020B0604020202020204" pitchFamily="34" charset="0"/>
+                <a:cs typeface="Arial" panose="020B0604020202020204" pitchFamily="34" charset="0"/>
+              </a:rPr>
+              <a:t>?.bat</a:t>
+            </a:r>
+          </a:p>
+          <a:p>
+            <a:r>
+              <a:rPr lang="en-US" altLang="ja-JP" dirty="0">
+                <a:latin typeface="Arial" panose="020B0604020202020204" pitchFamily="34" charset="0"/>
+                <a:cs typeface="Arial" panose="020B0604020202020204" pitchFamily="34" charset="0"/>
+              </a:rPr>
+              <a:t>(build by </a:t>
+            </a:r>
+            <a:r>
+              <a:rPr lang="en-US" altLang="ja-JP" dirty="0" err="1">
+                <a:latin typeface="Arial" panose="020B0604020202020204" pitchFamily="34" charset="0"/>
+                <a:cs typeface="Arial" panose="020B0604020202020204" pitchFamily="34" charset="0"/>
+              </a:rPr>
+              <a:t>vcbuild</a:t>
+            </a:r>
+            <a:r>
+              <a:rPr lang="en-US" altLang="ja-JP" dirty="0">
+                <a:latin typeface="Arial" panose="020B0604020202020204" pitchFamily="34" charset="0"/>
+                <a:cs typeface="Arial" panose="020B0604020202020204" pitchFamily="34" charset="0"/>
+              </a:rPr>
+              <a:t> and WIX)</a:t>
+            </a:r>
+            <a:endParaRPr kumimoji="1" lang="ja-JP" altLang="en-US" dirty="0">
+              <a:latin typeface="Arial" panose="020B0604020202020204" pitchFamily="34" charset="0"/>
+              <a:cs typeface="Arial" panose="020B0604020202020204" pitchFamily="34" charset="0"/>
+            </a:endParaRPr>
+          </a:p>
+        </p:txBody>
+      </p:sp>
+      <p:sp>
+        <p:nvSpPr>
+          <p:cNvPr id="18" name="テキスト ボックス 17">
+            <a:extLst>
+              <a:ext uri="{FF2B5EF4-FFF2-40B4-BE49-F238E27FC236}">
+                <a16:creationId xmlns:a16="http://schemas.microsoft.com/office/drawing/2014/main" id="{FDFEB2D1-645D-4F81-98DE-C682C789C63C}"/>
+              </a:ext>
+            </a:extLst>
+          </p:cNvPr>
+          <p:cNvSpPr txBox="1"/>
+          <p:nvPr/>
+        </p:nvSpPr>
+        <p:spPr>
+          <a:xfrm>
+            <a:off x="362522" y="2738438"/>
+            <a:ext cx="2945037" cy="369332"/>
+          </a:xfrm>
+          <a:prstGeom prst="rect">
+            <a:avLst/>
+          </a:prstGeom>
+          <a:noFill/>
+        </p:spPr>
+        <p:txBody>
+          <a:bodyPr wrap="none" rtlCol="0">
+            <a:spAutoFit/>
+          </a:bodyPr>
+          <a:lstStyle/>
+          <a:p>
+            <a:r>
+              <a:rPr kumimoji="1" lang="en-US" altLang="ja-JP" dirty="0">
+                <a:latin typeface="Arial" panose="020B0604020202020204" pitchFamily="34" charset="0"/>
+                <a:cs typeface="Arial" panose="020B0604020202020204" pitchFamily="34" charset="0"/>
+              </a:rPr>
+              <a:t>OpenRTM-aist-xxxx.tar.gz</a:t>
+            </a:r>
+            <a:endParaRPr kumimoji="1" lang="ja-JP" altLang="en-US" dirty="0">
+              <a:latin typeface="Arial" panose="020B0604020202020204" pitchFamily="34" charset="0"/>
+              <a:cs typeface="Arial" panose="020B0604020202020204" pitchFamily="34" charset="0"/>
+            </a:endParaRPr>
+          </a:p>
+        </p:txBody>
+      </p:sp>
+      <p:sp>
+        <p:nvSpPr>
+          <p:cNvPr id="19" name="テキスト ボックス 18">
+            <a:extLst>
+              <a:ext uri="{FF2B5EF4-FFF2-40B4-BE49-F238E27FC236}">
+                <a16:creationId xmlns:a16="http://schemas.microsoft.com/office/drawing/2014/main" id="{6B9DA3AC-F31A-4D0C-8BE6-54565EFDF9F1}"/>
+              </a:ext>
+            </a:extLst>
+          </p:cNvPr>
+          <p:cNvSpPr txBox="1"/>
+          <p:nvPr/>
+        </p:nvSpPr>
+        <p:spPr>
+          <a:xfrm>
+            <a:off x="852315" y="4236928"/>
+            <a:ext cx="2133918" cy="646331"/>
+          </a:xfrm>
+          <a:prstGeom prst="rect">
+            <a:avLst/>
+          </a:prstGeom>
+          <a:noFill/>
+        </p:spPr>
+        <p:txBody>
+          <a:bodyPr wrap="none" rtlCol="0">
+            <a:spAutoFit/>
+          </a:bodyPr>
+          <a:lstStyle/>
+          <a:p>
+            <a:r>
+              <a:rPr lang="en-US" altLang="ja-JP" dirty="0">
+                <a:latin typeface="Arial" panose="020B0604020202020204" pitchFamily="34" charset="0"/>
+                <a:cs typeface="Arial" panose="020B0604020202020204" pitchFamily="34" charset="0"/>
+              </a:rPr>
+              <a:t>Configure/make</a:t>
+            </a:r>
+          </a:p>
+          <a:p>
+            <a:r>
+              <a:rPr kumimoji="1" lang="en-US" altLang="ja-JP" dirty="0">
+                <a:latin typeface="Arial" panose="020B0604020202020204" pitchFamily="34" charset="0"/>
+                <a:cs typeface="Arial" panose="020B0604020202020204" pitchFamily="34" charset="0"/>
+              </a:rPr>
+              <a:t>(build by </a:t>
+            </a:r>
+            <a:r>
+              <a:rPr kumimoji="1" lang="en-US" altLang="ja-JP" dirty="0" err="1">
+                <a:latin typeface="Arial" panose="020B0604020202020204" pitchFamily="34" charset="0"/>
+                <a:cs typeface="Arial" panose="020B0604020202020204" pitchFamily="34" charset="0"/>
+              </a:rPr>
+              <a:t>autotools</a:t>
+            </a:r>
+            <a:r>
+              <a:rPr kumimoji="1" lang="en-US" altLang="ja-JP" dirty="0">
+                <a:latin typeface="Arial" panose="020B0604020202020204" pitchFamily="34" charset="0"/>
+                <a:cs typeface="Arial" panose="020B0604020202020204" pitchFamily="34" charset="0"/>
+              </a:rPr>
+              <a:t>)</a:t>
+            </a:r>
+            <a:endParaRPr kumimoji="1" lang="ja-JP" altLang="en-US" dirty="0">
+              <a:latin typeface="Arial" panose="020B0604020202020204" pitchFamily="34" charset="0"/>
+              <a:cs typeface="Arial" panose="020B0604020202020204" pitchFamily="34" charset="0"/>
+            </a:endParaRPr>
+          </a:p>
+        </p:txBody>
+      </p:sp>
+    </p:spTree>
+    <p:extLst>
+      <p:ext uri="{BB962C8B-B14F-4D97-AF65-F5344CB8AC3E}">
+        <p14:creationId xmlns:p14="http://schemas.microsoft.com/office/powerpoint/2010/main" val="3123501427"/>
+      </p:ext>
+    </p:extLst>
+  </p:cSld>
+  <p:clrMapOvr>
+    <a:masterClrMapping/>
+  </p:clrMapOvr>
+</p:sld>
+</file>
+
 <file path=ppt/theme/theme1.xml><?xml version="1.0" encoding="utf-8"?>
 <a:theme xmlns:a="http://schemas.openxmlformats.org/drawingml/2006/main" name="Office テーマ">
   <a:themeElements>
